--- a/Presentation.pptx
+++ b/Presentation.pptx
@@ -212,7 +212,7 @@
   <pc:docChgLst>
     <pc:chgData name="Alex Lau" userId="ac2d22d054a0a418" providerId="LiveId" clId="{C30C07F5-D92B-4B1C-8196-BEC56C534E1B}"/>
     <pc:docChg chg="undo custSel addSld delSld modSld sldOrd">
-      <pc:chgData name="Alex Lau" userId="ac2d22d054a0a418" providerId="LiveId" clId="{C30C07F5-D92B-4B1C-8196-BEC56C534E1B}" dt="2020-03-12T21:14:28.090" v="8000" actId="20577"/>
+      <pc:chgData name="Alex Lau" userId="ac2d22d054a0a418" providerId="LiveId" clId="{C30C07F5-D92B-4B1C-8196-BEC56C534E1B}" dt="2020-03-13T02:46:49.694" v="8339" actId="20577"/>
       <pc:docMkLst>
         <pc:docMk/>
       </pc:docMkLst>
@@ -240,7 +240,7 @@
         </pc:picChg>
       </pc:sldChg>
       <pc:sldChg chg="addSp modSp mod">
-        <pc:chgData name="Alex Lau" userId="ac2d22d054a0a418" providerId="LiveId" clId="{C30C07F5-D92B-4B1C-8196-BEC56C534E1B}" dt="2020-03-12T17:33:05.702" v="2899" actId="1076"/>
+        <pc:chgData name="Alex Lau" userId="ac2d22d054a0a418" providerId="LiveId" clId="{C30C07F5-D92B-4B1C-8196-BEC56C534E1B}" dt="2020-03-13T02:07:45.951" v="8119" actId="20577"/>
         <pc:sldMkLst>
           <pc:docMk/>
           <pc:sldMk cId="2717604774" sldId="329"/>
@@ -254,7 +254,7 @@
           </ac:spMkLst>
         </pc:spChg>
         <pc:spChg chg="mod">
-          <ac:chgData name="Alex Lau" userId="ac2d22d054a0a418" providerId="LiveId" clId="{C30C07F5-D92B-4B1C-8196-BEC56C534E1B}" dt="2020-03-12T14:03:53.448" v="874" actId="20577"/>
+          <ac:chgData name="Alex Lau" userId="ac2d22d054a0a418" providerId="LiveId" clId="{C30C07F5-D92B-4B1C-8196-BEC56C534E1B}" dt="2020-03-13T02:07:45.951" v="8119" actId="20577"/>
           <ac:spMkLst>
             <pc:docMk/>
             <pc:sldMk cId="2717604774" sldId="329"/>
@@ -510,7 +510,7 @@
         </pc:picChg>
       </pc:sldChg>
       <pc:sldChg chg="modSp add mod">
-        <pc:chgData name="Alex Lau" userId="ac2d22d054a0a418" providerId="LiveId" clId="{C30C07F5-D92B-4B1C-8196-BEC56C534E1B}" dt="2020-03-12T18:45:21.942" v="5599" actId="6549"/>
+        <pc:chgData name="Alex Lau" userId="ac2d22d054a0a418" providerId="LiveId" clId="{C30C07F5-D92B-4B1C-8196-BEC56C534E1B}" dt="2020-03-13T01:22:57.801" v="8103" actId="20577"/>
         <pc:sldMkLst>
           <pc:docMk/>
           <pc:sldMk cId="411440586" sldId="339"/>
@@ -524,7 +524,7 @@
           </ac:spMkLst>
         </pc:spChg>
         <pc:spChg chg="mod">
-          <ac:chgData name="Alex Lau" userId="ac2d22d054a0a418" providerId="LiveId" clId="{C30C07F5-D92B-4B1C-8196-BEC56C534E1B}" dt="2020-03-12T18:45:21.942" v="5599" actId="6549"/>
+          <ac:chgData name="Alex Lau" userId="ac2d22d054a0a418" providerId="LiveId" clId="{C30C07F5-D92B-4B1C-8196-BEC56C534E1B}" dt="2020-03-13T01:22:57.801" v="8103" actId="20577"/>
           <ac:spMkLst>
             <pc:docMk/>
             <pc:sldMk cId="411440586" sldId="339"/>
@@ -570,7 +570,7 @@
         </pc:sldMkLst>
       </pc:sldChg>
       <pc:sldChg chg="modSp add mod">
-        <pc:chgData name="Alex Lau" userId="ac2d22d054a0a418" providerId="LiveId" clId="{C30C07F5-D92B-4B1C-8196-BEC56C534E1B}" dt="2020-03-12T21:14:28.090" v="8000" actId="20577"/>
+        <pc:chgData name="Alex Lau" userId="ac2d22d054a0a418" providerId="LiveId" clId="{C30C07F5-D92B-4B1C-8196-BEC56C534E1B}" dt="2020-03-13T02:46:49.694" v="8339" actId="20577"/>
         <pc:sldMkLst>
           <pc:docMk/>
           <pc:sldMk cId="2708272418" sldId="341"/>
@@ -584,7 +584,7 @@
           </ac:spMkLst>
         </pc:spChg>
         <pc:spChg chg="mod">
-          <ac:chgData name="Alex Lau" userId="ac2d22d054a0a418" providerId="LiveId" clId="{C30C07F5-D92B-4B1C-8196-BEC56C534E1B}" dt="2020-03-12T21:14:28.090" v="8000" actId="20577"/>
+          <ac:chgData name="Alex Lau" userId="ac2d22d054a0a418" providerId="LiveId" clId="{C30C07F5-D92B-4B1C-8196-BEC56C534E1B}" dt="2020-03-13T02:46:49.694" v="8339" actId="20577"/>
           <ac:spMkLst>
             <pc:docMk/>
             <pc:sldMk cId="2708272418" sldId="341"/>
@@ -10577,8 +10577,19 @@
           <a:p>
             <a:r>
               <a:rPr lang="en-US" dirty="0"/>
-              <a:t>We should explore collecting additional relevant features</a:t>
-            </a:r>
+              <a:t>Suggest converting employment title, or any free form text value to a dropdown list of less values</a:t>
+            </a:r>
+          </a:p>
+          <a:p>
+            <a:r>
+              <a:rPr lang="en-US" dirty="0"/>
+              <a:t>Request additional data such as assets, </a:t>
+            </a:r>
+            <a:r>
+              <a:rPr lang="en-US"/>
+              <a:t>if possible</a:t>
+            </a:r>
+            <a:endParaRPr lang="en-US" dirty="0"/>
           </a:p>
         </p:txBody>
       </p:sp>
@@ -10850,7 +10861,7 @@
           <a:p>
             <a:r>
               <a:rPr lang="en-US" dirty="0"/>
-              <a:t>Lenders will lose their investments</a:t>
+              <a:t>Lenders will lose some or all of their investment</a:t>
             </a:r>
           </a:p>
         </p:txBody>
@@ -11084,7 +11095,7 @@
           <a:p>
             <a:r>
               <a:rPr lang="en-US" dirty="0"/>
-              <a:t>We will utilize a series of models such as logistic regression, random forest, extra trees, adaptive boosting, and gradient boost classifiers</a:t>
+              <a:t>We will utilize a series of models such as logistic regression, random forest, extra trees, adaptive boosting, and gradient boost classifiers to predict whether applicants will default on loans</a:t>
             </a:r>
           </a:p>
         </p:txBody>
